--- a/PPTs/Ch8_ARM_Subroutines_1_Parameters_Registers.pptx
+++ b/PPTs/Ch8_ARM_Subroutines_1_Parameters_Registers.pptx
@@ -170,7 +170,7 @@
 <file path=ppt/revisionInfo.xml><?xml version="1.0" encoding="utf-8"?>
 <p1510:revInfo xmlns:a="http://schemas.openxmlformats.org/drawingml/2006/main" xmlns:r="http://schemas.openxmlformats.org/officeDocument/2006/relationships" xmlns:p1510="http://schemas.microsoft.com/office/powerpoint/2015/10/main">
   <p1510:revLst>
-    <p1510:client id="{7D5089A3-B8F3-4495-8EC2-B25A10EF758C}" v="87" dt="2025-09-23T20:24:16.693"/>
+    <p1510:client id="{7D5089A3-B8F3-4495-8EC2-B25A10EF758C}" v="89" dt="2025-09-24T01:13:50.352"/>
   </p1510:revLst>
 </p1510:revInfo>
 </file>
@@ -180,7 +180,7 @@
   <pc:docChgLst>
     <pc:chgData name="Zonghua Gu" userId="9a7e1853e1951ef5" providerId="LiveId" clId="{CF1FAA12-072C-4ED5-BA76-0FFFAEFDB88A}"/>
     <pc:docChg chg="undo custSel addSld delSld modSld">
-      <pc:chgData name="Zonghua Gu" userId="9a7e1853e1951ef5" providerId="LiveId" clId="{CF1FAA12-072C-4ED5-BA76-0FFFAEFDB88A}" dt="2025-09-23T20:24:32.595" v="1001" actId="1076"/>
+      <pc:chgData name="Zonghua Gu" userId="9a7e1853e1951ef5" providerId="LiveId" clId="{CF1FAA12-072C-4ED5-BA76-0FFFAEFDB88A}" dt="2025-09-24T01:15:04.189" v="1163" actId="20577"/>
       <pc:docMkLst>
         <pc:docMk/>
       </pc:docMkLst>
@@ -221,20 +221,27 @@
           <pc:sldMk cId="3925431262" sldId="342"/>
         </pc:sldMkLst>
       </pc:sldChg>
+      <pc:sldChg chg="modSp mod">
+        <pc:chgData name="Zonghua Gu" userId="9a7e1853e1951ef5" providerId="LiveId" clId="{CF1FAA12-072C-4ED5-BA76-0FFFAEFDB88A}" dt="2025-09-24T01:15:04.189" v="1163" actId="20577"/>
+        <pc:sldMkLst>
+          <pc:docMk/>
+          <pc:sldMk cId="2764170415" sldId="344"/>
+        </pc:sldMkLst>
+        <pc:spChg chg="mod">
+          <ac:chgData name="Zonghua Gu" userId="9a7e1853e1951ef5" providerId="LiveId" clId="{CF1FAA12-072C-4ED5-BA76-0FFFAEFDB88A}" dt="2025-09-24T01:15:04.189" v="1163" actId="20577"/>
+          <ac:spMkLst>
+            <pc:docMk/>
+            <pc:sldMk cId="2764170415" sldId="344"/>
+            <ac:spMk id="3" creationId="{00000000-0000-0000-0000-000000000000}"/>
+          </ac:spMkLst>
+        </pc:spChg>
+      </pc:sldChg>
       <pc:sldChg chg="delSp modSp mod delAnim">
         <pc:chgData name="Zonghua Gu" userId="9a7e1853e1951ef5" providerId="LiveId" clId="{CF1FAA12-072C-4ED5-BA76-0FFFAEFDB88A}" dt="2025-09-22T00:03:02.951" v="76" actId="478"/>
         <pc:sldMkLst>
           <pc:docMk/>
           <pc:sldMk cId="3919809568" sldId="348"/>
         </pc:sldMkLst>
-        <pc:spChg chg="del mod">
-          <ac:chgData name="Zonghua Gu" userId="9a7e1853e1951ef5" providerId="LiveId" clId="{CF1FAA12-072C-4ED5-BA76-0FFFAEFDB88A}" dt="2025-09-22T00:03:02.951" v="76" actId="478"/>
-          <ac:spMkLst>
-            <pc:docMk/>
-            <pc:sldMk cId="3919809568" sldId="348"/>
-            <ac:spMk id="54" creationId="{00000000-0000-0000-0000-000000000000}"/>
-          </ac:spMkLst>
-        </pc:spChg>
       </pc:sldChg>
       <pc:sldChg chg="delSp modSp mod delAnim">
         <pc:chgData name="Zonghua Gu" userId="9a7e1853e1951ef5" providerId="LiveId" clId="{CF1FAA12-072C-4ED5-BA76-0FFFAEFDB88A}" dt="2025-09-22T00:03:29.889" v="78" actId="478"/>
@@ -242,14 +249,6 @@
           <pc:docMk/>
           <pc:sldMk cId="2521967986" sldId="352"/>
         </pc:sldMkLst>
-        <pc:spChg chg="del mod">
-          <ac:chgData name="Zonghua Gu" userId="9a7e1853e1951ef5" providerId="LiveId" clId="{CF1FAA12-072C-4ED5-BA76-0FFFAEFDB88A}" dt="2025-09-22T00:03:29.889" v="78" actId="478"/>
-          <ac:spMkLst>
-            <pc:docMk/>
-            <pc:sldMk cId="2521967986" sldId="352"/>
-            <ac:spMk id="44" creationId="{00000000-0000-0000-0000-000000000000}"/>
-          </ac:spMkLst>
-        </pc:spChg>
       </pc:sldChg>
       <pc:sldChg chg="modSp mod">
         <pc:chgData name="Zonghua Gu" userId="9a7e1853e1951ef5" providerId="LiveId" clId="{CF1FAA12-072C-4ED5-BA76-0FFFAEFDB88A}" dt="2025-09-23T19:58:58.430" v="255" actId="20577"/>
@@ -44725,13 +44724,13 @@
         </p:nvSpPr>
         <p:spPr>
           <a:xfrm>
-            <a:off x="2593848" y="4419600"/>
-            <a:ext cx="2968752" cy="1173163"/>
+            <a:off x="457200" y="1143000"/>
+            <a:ext cx="5105400" cy="5187130"/>
           </a:xfrm>
         </p:spPr>
         <p:txBody>
           <a:bodyPr>
-            <a:normAutofit fontScale="92500" lnSpcReduction="20000"/>
+            <a:normAutofit/>
           </a:bodyPr>
           <a:lstStyle/>
           <a:p>
@@ -44750,52 +44749,50 @@
               <a:buNone/>
             </a:pPr>
             <a:r>
-              <a:rPr lang="en-GB" b="1" dirty="0">
+              <a:rPr lang="en-GB" dirty="0">
                 <a:solidFill>
                   <a:srgbClr val="0000FF"/>
                 </a:solidFill>
-                <a:latin typeface="Courier New" pitchFamily="49" charset="0"/>
                 <a:cs typeface="Courier New" pitchFamily="49" charset="0"/>
               </a:rPr>
-              <a:t>BX</a:t>
-            </a:r>
-            <a:r>
-              <a:rPr lang="en-GB" b="1" dirty="0">
+              <a:t>BX LR</a:t>
+            </a:r>
+          </a:p>
+          <a:p>
+            <a:r>
+              <a:rPr lang="en-US" dirty="0">
+                <a:cs typeface="Courier New" pitchFamily="49" charset="0"/>
+              </a:rPr>
+              <a:t>Equivalent to </a:t>
+            </a:r>
+            <a:r>
+              <a:rPr lang="en-US" dirty="0">
                 <a:solidFill>
                   <a:srgbClr val="0000FF"/>
                 </a:solidFill>
-              </a:rPr>
-              <a:t> </a:t>
-            </a:r>
-            <a:r>
-              <a:rPr lang="en-GB" b="1" i="1" dirty="0">
-                <a:solidFill>
-                  <a:srgbClr val="0000FF"/>
-                </a:solidFill>
-              </a:rPr>
-              <a:t>LR</a:t>
-            </a:r>
-            <a:endParaRPr lang="en-GB" b="1" dirty="0">
-              <a:solidFill>
-                <a:srgbClr val="0000FF"/>
-              </a:solidFill>
+                <a:cs typeface="Courier New" pitchFamily="49" charset="0"/>
+              </a:rPr>
+              <a:t>MOV PC, LR</a:t>
+            </a:r>
+          </a:p>
+          <a:p>
+            <a:r>
+              <a:rPr lang="en-GB" dirty="0">
+                <a:cs typeface="Courier New" pitchFamily="49" charset="0"/>
+              </a:rPr>
+              <a:t>Sets PC = LR, i.e., set program counter to LR and execute from </a:t>
+            </a:r>
+            <a:r>
+              <a:rPr lang="en-GB">
+                <a:cs typeface="Courier New" pitchFamily="49" charset="0"/>
+              </a:rPr>
+              <a:t>that line.</a:t>
+            </a:r>
+            <a:endParaRPr lang="en-GB" dirty="0">
+              <a:cs typeface="Courier New" pitchFamily="49" charset="0"/>
             </a:endParaRPr>
           </a:p>
           <a:p>
-            <a:r>
-              <a:rPr lang="en-GB" dirty="0">
-                <a:latin typeface="Consolas" panose="020B0609020204030204" pitchFamily="49" charset="0"/>
-                <a:cs typeface="Consolas" panose="020B0609020204030204" pitchFamily="49" charset="0"/>
-              </a:rPr>
-              <a:t>PC = </a:t>
-            </a:r>
-            <a:r>
-              <a:rPr lang="en-GB" dirty="0" err="1">
-                <a:latin typeface="Consolas" panose="020B0609020204030204" pitchFamily="49" charset="0"/>
-                <a:cs typeface="Consolas" panose="020B0609020204030204" pitchFamily="49" charset="0"/>
-              </a:rPr>
-              <a:t>LR</a:t>
-            </a:r>
             <a:endParaRPr lang="en-GB" dirty="0">
               <a:latin typeface="Consolas" panose="020B0609020204030204" pitchFamily="49" charset="0"/>
               <a:cs typeface="Consolas" panose="020B0609020204030204" pitchFamily="49" charset="0"/>

--- a/PPTs/Ch8_ARM_Subroutines_1_Parameters_Registers.pptx
+++ b/PPTs/Ch8_ARM_Subroutines_1_Parameters_Registers.pptx
@@ -170,7 +170,7 @@
 <file path=ppt/revisionInfo.xml><?xml version="1.0" encoding="utf-8"?>
 <p1510:revInfo xmlns:a="http://schemas.openxmlformats.org/drawingml/2006/main" xmlns:r="http://schemas.openxmlformats.org/officeDocument/2006/relationships" xmlns:p1510="http://schemas.microsoft.com/office/powerpoint/2015/10/main">
   <p1510:revLst>
-    <p1510:client id="{7D5089A3-B8F3-4495-8EC2-B25A10EF758C}" v="89" dt="2025-09-24T01:13:50.352"/>
+    <p1510:client id="{7D5089A3-B8F3-4495-8EC2-B25A10EF758C}" v="96" dt="2025-09-26T19:03:22.909"/>
   </p1510:revLst>
 </p1510:revInfo>
 </file>
@@ -180,7 +180,7 @@
   <pc:docChgLst>
     <pc:chgData name="Zonghua Gu" userId="9a7e1853e1951ef5" providerId="LiveId" clId="{CF1FAA12-072C-4ED5-BA76-0FFFAEFDB88A}"/>
     <pc:docChg chg="undo custSel addSld delSld modSld">
-      <pc:chgData name="Zonghua Gu" userId="9a7e1853e1951ef5" providerId="LiveId" clId="{CF1FAA12-072C-4ED5-BA76-0FFFAEFDB88A}" dt="2025-09-24T01:15:04.189" v="1163" actId="20577"/>
+      <pc:chgData name="Zonghua Gu" userId="9a7e1853e1951ef5" providerId="LiveId" clId="{CF1FAA12-072C-4ED5-BA76-0FFFAEFDB88A}" dt="2025-09-26T19:03:58.688" v="1237" actId="207"/>
       <pc:docMkLst>
         <pc:docMk/>
       </pc:docMkLst>
@@ -264,6 +264,117 @@
             <ac:graphicFrameMk id="5" creationId="{00000000-0000-0000-0000-000000000000}"/>
           </ac:graphicFrameMkLst>
         </pc:graphicFrameChg>
+      </pc:sldChg>
+      <pc:sldChg chg="addSp delSp modSp mod">
+        <pc:chgData name="Zonghua Gu" userId="9a7e1853e1951ef5" providerId="LiveId" clId="{CF1FAA12-072C-4ED5-BA76-0FFFAEFDB88A}" dt="2025-09-26T19:03:58.688" v="1237" actId="207"/>
+        <pc:sldMkLst>
+          <pc:docMk/>
+          <pc:sldMk cId="922012841" sldId="364"/>
+        </pc:sldMkLst>
+        <pc:spChg chg="mod">
+          <ac:chgData name="Zonghua Gu" userId="9a7e1853e1951ef5" providerId="LiveId" clId="{CF1FAA12-072C-4ED5-BA76-0FFFAEFDB88A}" dt="2025-09-26T19:03:49.643" v="1234" actId="207"/>
+          <ac:spMkLst>
+            <pc:docMk/>
+            <pc:sldMk cId="922012841" sldId="364"/>
+            <ac:spMk id="10" creationId="{00000000-0000-0000-0000-000000000000}"/>
+          </ac:spMkLst>
+        </pc:spChg>
+        <pc:spChg chg="del mod">
+          <ac:chgData name="Zonghua Gu" userId="9a7e1853e1951ef5" providerId="LiveId" clId="{CF1FAA12-072C-4ED5-BA76-0FFFAEFDB88A}" dt="2025-09-26T19:01:52.769" v="1201" actId="478"/>
+          <ac:spMkLst>
+            <pc:docMk/>
+            <pc:sldMk cId="922012841" sldId="364"/>
+            <ac:spMk id="12" creationId="{00000000-0000-0000-0000-000000000000}"/>
+          </ac:spMkLst>
+        </pc:spChg>
+        <pc:spChg chg="del mod">
+          <ac:chgData name="Zonghua Gu" userId="9a7e1853e1951ef5" providerId="LiveId" clId="{CF1FAA12-072C-4ED5-BA76-0FFFAEFDB88A}" dt="2025-09-26T19:01:52.769" v="1201" actId="478"/>
+          <ac:spMkLst>
+            <pc:docMk/>
+            <pc:sldMk cId="922012841" sldId="364"/>
+            <ac:spMk id="13" creationId="{00000000-0000-0000-0000-000000000000}"/>
+          </ac:spMkLst>
+        </pc:spChg>
+        <pc:spChg chg="del">
+          <ac:chgData name="Zonghua Gu" userId="9a7e1853e1951ef5" providerId="LiveId" clId="{CF1FAA12-072C-4ED5-BA76-0FFFAEFDB88A}" dt="2025-09-26T19:01:52.769" v="1201" actId="478"/>
+          <ac:spMkLst>
+            <pc:docMk/>
+            <pc:sldMk cId="922012841" sldId="364"/>
+            <ac:spMk id="14" creationId="{00000000-0000-0000-0000-000000000000}"/>
+          </ac:spMkLst>
+        </pc:spChg>
+        <pc:spChg chg="add mod">
+          <ac:chgData name="Zonghua Gu" userId="9a7e1853e1951ef5" providerId="LiveId" clId="{CF1FAA12-072C-4ED5-BA76-0FFFAEFDB88A}" dt="2025-09-26T19:03:52.362" v="1235" actId="207"/>
+          <ac:spMkLst>
+            <pc:docMk/>
+            <pc:sldMk cId="922012841" sldId="364"/>
+            <ac:spMk id="15" creationId="{459E5411-1FBA-ADE6-1B5B-A4E6A831EA6B}"/>
+          </ac:spMkLst>
+        </pc:spChg>
+        <pc:spChg chg="add mod">
+          <ac:chgData name="Zonghua Gu" userId="9a7e1853e1951ef5" providerId="LiveId" clId="{CF1FAA12-072C-4ED5-BA76-0FFFAEFDB88A}" dt="2025-09-26T19:03:54.458" v="1236" actId="207"/>
+          <ac:spMkLst>
+            <pc:docMk/>
+            <pc:sldMk cId="922012841" sldId="364"/>
+            <ac:spMk id="17" creationId="{2550AA1D-340A-11B9-1ADF-AEE5880A9EF4}"/>
+          </ac:spMkLst>
+        </pc:spChg>
+        <pc:spChg chg="add mod">
+          <ac:chgData name="Zonghua Gu" userId="9a7e1853e1951ef5" providerId="LiveId" clId="{CF1FAA12-072C-4ED5-BA76-0FFFAEFDB88A}" dt="2025-09-26T19:03:58.688" v="1237" actId="207"/>
+          <ac:spMkLst>
+            <pc:docMk/>
+            <pc:sldMk cId="922012841" sldId="364"/>
+            <ac:spMk id="19" creationId="{C4C53C50-D594-59F6-E575-72F140A394FF}"/>
+          </ac:spMkLst>
+        </pc:spChg>
+        <pc:spChg chg="add mod">
+          <ac:chgData name="Zonghua Gu" userId="9a7e1853e1951ef5" providerId="LiveId" clId="{CF1FAA12-072C-4ED5-BA76-0FFFAEFDB88A}" dt="2025-09-26T19:03:05.409" v="1217" actId="571"/>
+          <ac:spMkLst>
+            <pc:docMk/>
+            <pc:sldMk cId="922012841" sldId="364"/>
+            <ac:spMk id="20" creationId="{F7835338-258E-532E-AD3F-BD6F62E6B048}"/>
+          </ac:spMkLst>
+        </pc:spChg>
+        <pc:spChg chg="add mod">
+          <ac:chgData name="Zonghua Gu" userId="9a7e1853e1951ef5" providerId="LiveId" clId="{CF1FAA12-072C-4ED5-BA76-0FFFAEFDB88A}" dt="2025-09-26T19:03:22.909" v="1219" actId="571"/>
+          <ac:spMkLst>
+            <pc:docMk/>
+            <pc:sldMk cId="922012841" sldId="364"/>
+            <ac:spMk id="21" creationId="{7D707D64-ED55-3F3D-2690-971B9F460F96}"/>
+          </ac:spMkLst>
+        </pc:spChg>
+        <pc:cxnChg chg="mod">
+          <ac:chgData name="Zonghua Gu" userId="9a7e1853e1951ef5" providerId="LiveId" clId="{CF1FAA12-072C-4ED5-BA76-0FFFAEFDB88A}" dt="2025-09-26T19:01:45.521" v="1199" actId="14100"/>
+          <ac:cxnSpMkLst>
+            <pc:docMk/>
+            <pc:sldMk cId="922012841" sldId="364"/>
+            <ac:cxnSpMk id="16" creationId="{00000000-0000-0000-0000-000000000000}"/>
+          </ac:cxnSpMkLst>
+        </pc:cxnChg>
+        <pc:cxnChg chg="mod">
+          <ac:chgData name="Zonghua Gu" userId="9a7e1853e1951ef5" providerId="LiveId" clId="{CF1FAA12-072C-4ED5-BA76-0FFFAEFDB88A}" dt="2025-09-26T19:03:42.425" v="1233" actId="14100"/>
+          <ac:cxnSpMkLst>
+            <pc:docMk/>
+            <pc:sldMk cId="922012841" sldId="364"/>
+            <ac:cxnSpMk id="18" creationId="{00000000-0000-0000-0000-000000000000}"/>
+          </ac:cxnSpMkLst>
+        </pc:cxnChg>
+        <pc:cxnChg chg="mod">
+          <ac:chgData name="Zonghua Gu" userId="9a7e1853e1951ef5" providerId="LiveId" clId="{CF1FAA12-072C-4ED5-BA76-0FFFAEFDB88A}" dt="2025-09-26T19:03:36.868" v="1231" actId="1036"/>
+          <ac:cxnSpMkLst>
+            <pc:docMk/>
+            <pc:sldMk cId="922012841" sldId="364"/>
+            <ac:cxnSpMk id="22" creationId="{00000000-0000-0000-0000-000000000000}"/>
+          </ac:cxnSpMkLst>
+        </pc:cxnChg>
+        <pc:cxnChg chg="mod">
+          <ac:chgData name="Zonghua Gu" userId="9a7e1853e1951ef5" providerId="LiveId" clId="{CF1FAA12-072C-4ED5-BA76-0FFFAEFDB88A}" dt="2025-09-26T19:03:36.868" v="1231" actId="1036"/>
+          <ac:cxnSpMkLst>
+            <pc:docMk/>
+            <pc:sldMk cId="922012841" sldId="364"/>
+            <ac:cxnSpMk id="24" creationId="{00000000-0000-0000-0000-000000000000}"/>
+          </ac:cxnSpMkLst>
+        </pc:cxnChg>
       </pc:sldChg>
       <pc:sldChg chg="modSp">
         <pc:chgData name="Zonghua Gu" userId="9a7e1853e1951ef5" providerId="LiveId" clId="{CF1FAA12-072C-4ED5-BA76-0FFFAEFDB88A}" dt="2025-09-21T23:16:00.969" v="32" actId="20577"/>
@@ -370,46 +481,6 @@
           <pc:docMk/>
           <pc:sldMk cId="2834520986" sldId="377"/>
         </pc:sldMkLst>
-        <pc:spChg chg="mod">
-          <ac:chgData name="Zonghua Gu" userId="9a7e1853e1951ef5" providerId="LiveId" clId="{CF1FAA12-072C-4ED5-BA76-0FFFAEFDB88A}" dt="2025-09-23T18:28:27.613" v="222" actId="1076"/>
-          <ac:spMkLst>
-            <pc:docMk/>
-            <pc:sldMk cId="2834520986" sldId="377"/>
-            <ac:spMk id="2" creationId="{7BAE58F7-DD2C-7131-891F-4C21E8AC642B}"/>
-          </ac:spMkLst>
-        </pc:spChg>
-        <pc:spChg chg="del">
-          <ac:chgData name="Zonghua Gu" userId="9a7e1853e1951ef5" providerId="LiveId" clId="{CF1FAA12-072C-4ED5-BA76-0FFFAEFDB88A}" dt="2025-09-23T18:14:40.182" v="100" actId="478"/>
-          <ac:spMkLst>
-            <pc:docMk/>
-            <pc:sldMk cId="2834520986" sldId="377"/>
-            <ac:spMk id="4" creationId="{09612E98-FDB2-DEB4-0C7F-7509FD422D9C}"/>
-          </ac:spMkLst>
-        </pc:spChg>
-        <pc:graphicFrameChg chg="add mod">
-          <ac:chgData name="Zonghua Gu" userId="9a7e1853e1951ef5" providerId="LiveId" clId="{CF1FAA12-072C-4ED5-BA76-0FFFAEFDB88A}" dt="2025-09-23T18:14:40.991" v="101"/>
-          <ac:graphicFrameMkLst>
-            <pc:docMk/>
-            <pc:sldMk cId="2834520986" sldId="377"/>
-            <ac:graphicFrameMk id="5" creationId="{8BE0B121-E48E-624B-8550-053722E08311}"/>
-          </ac:graphicFrameMkLst>
-        </pc:graphicFrameChg>
-        <pc:graphicFrameChg chg="add mod">
-          <ac:chgData name="Zonghua Gu" userId="9a7e1853e1951ef5" providerId="LiveId" clId="{CF1FAA12-072C-4ED5-BA76-0FFFAEFDB88A}" dt="2025-09-23T18:14:44.855" v="102"/>
-          <ac:graphicFrameMkLst>
-            <pc:docMk/>
-            <pc:sldMk cId="2834520986" sldId="377"/>
-            <ac:graphicFrameMk id="6" creationId="{C3898580-4EFA-DD34-A42D-6F12F9FE1382}"/>
-          </ac:graphicFrameMkLst>
-        </pc:graphicFrameChg>
-        <pc:graphicFrameChg chg="add mod modGraphic">
-          <ac:chgData name="Zonghua Gu" userId="9a7e1853e1951ef5" providerId="LiveId" clId="{CF1FAA12-072C-4ED5-BA76-0FFFAEFDB88A}" dt="2025-09-23T18:28:25.117" v="221" actId="1076"/>
-          <ac:graphicFrameMkLst>
-            <pc:docMk/>
-            <pc:sldMk cId="2834520986" sldId="377"/>
-            <ac:graphicFrameMk id="7" creationId="{2953B4AB-BCAF-439D-6351-9E157BE57934}"/>
-          </ac:graphicFrameMkLst>
-        </pc:graphicFrameChg>
       </pc:sldChg>
       <pc:sldChg chg="modSp new mod modNotesTx">
         <pc:chgData name="Zonghua Gu" userId="9a7e1853e1951ef5" providerId="LiveId" clId="{CF1FAA12-072C-4ED5-BA76-0FFFAEFDB88A}" dt="2025-09-23T20:24:15.995" v="998" actId="20577"/>
@@ -533,7 +604,7 @@
           <a:p>
             <a:fld id="{3B161579-C726-4AFD-89FC-66D961EAF8EA}" type="datetimeFigureOut">
               <a:rPr lang="en-US" smtClean="0"/>
-              <a:t>9/23/2025</a:t>
+              <a:t>9/26/2025</a:t>
             </a:fld>
             <a:endParaRPr lang="en-US"/>
           </a:p>
@@ -711,7 +782,7 @@
             <a:fld id="{0C5DCA7A-C3FD-4606-A3AD-864BD96433D4}" type="datetimeFigureOut">
               <a:rPr lang="en-US" smtClean="0"/>
               <a:pPr/>
-              <a:t>9/23/2025</a:t>
+              <a:t>9/26/2025</a:t>
             </a:fld>
             <a:endParaRPr lang="en-US"/>
           </a:p>
@@ -2593,7 +2664,7 @@
             <a:pPr eaLnBrk="1" latinLnBrk="0" hangingPunct="1"/>
             <a:fld id="{7966D375-7FE4-4861-9EA3-8493E3E81506}" type="datetime1">
               <a:rPr lang="en-US" smtClean="0"/>
-              <a:t>9/23/2025</a:t>
+              <a:t>9/26/2025</a:t>
             </a:fld>
             <a:endParaRPr lang="en-US" sz="1600" dirty="0"/>
           </a:p>
@@ -2953,7 +3024,7 @@
             <a:pPr eaLnBrk="1" latinLnBrk="0" hangingPunct="1"/>
             <a:fld id="{A9C54BE0-D5FE-4C7B-88A7-8835FDA599B1}" type="datetime1">
               <a:rPr lang="en-US" smtClean="0"/>
-              <a:t>9/23/2025</a:t>
+              <a:t>9/26/2025</a:t>
             </a:fld>
             <a:endParaRPr lang="en-US"/>
           </a:p>
@@ -3129,7 +3200,7 @@
             <a:pPr eaLnBrk="1" latinLnBrk="0" hangingPunct="1"/>
             <a:fld id="{F132153C-039A-48A4-AC9F-CEC24D5C2B7A}" type="datetime1">
               <a:rPr lang="en-US" smtClean="0"/>
-              <a:t>9/23/2025</a:t>
+              <a:t>9/26/2025</a:t>
             </a:fld>
             <a:endParaRPr lang="en-US"/>
           </a:p>
@@ -3510,7 +3581,7 @@
             <a:pPr eaLnBrk="1" latinLnBrk="0" hangingPunct="1"/>
             <a:fld id="{00065D69-4622-413E-9E09-6A2509001B66}" type="datetime1">
               <a:rPr lang="en-US" smtClean="0"/>
-              <a:t>9/23/2025</a:t>
+              <a:t>9/26/2025</a:t>
             </a:fld>
             <a:endParaRPr lang="en-US" dirty="0"/>
           </a:p>
@@ -3780,7 +3851,7 @@
             <a:pPr eaLnBrk="1" latinLnBrk="0" hangingPunct="1"/>
             <a:fld id="{26D84756-85D3-4017-90AB-B482945A0CB0}" type="datetime1">
               <a:rPr lang="en-US" smtClean="0"/>
-              <a:t>9/23/2025</a:t>
+              <a:t>9/26/2025</a:t>
             </a:fld>
             <a:endParaRPr lang="en-US" dirty="0"/>
           </a:p>
@@ -4001,7 +4072,7 @@
             <a:pPr eaLnBrk="1" latinLnBrk="0" hangingPunct="1"/>
             <a:fld id="{1359E9A9-3822-4D57-8A64-831B26641011}" type="datetime1">
               <a:rPr lang="en-US" smtClean="0"/>
-              <a:t>9/23/2025</a:t>
+              <a:t>9/26/2025</a:t>
             </a:fld>
             <a:endParaRPr lang="en-US"/>
           </a:p>
@@ -4354,7 +4425,7 @@
             <a:pPr eaLnBrk="1" latinLnBrk="0" hangingPunct="1"/>
             <a:fld id="{F96C45A0-00E6-4B4B-A1A7-CF1486D67AF4}" type="datetime1">
               <a:rPr lang="en-US" smtClean="0"/>
-              <a:t>9/23/2025</a:t>
+              <a:t>9/26/2025</a:t>
             </a:fld>
             <a:endParaRPr lang="en-US"/>
           </a:p>
@@ -4587,7 +4658,7 @@
             <a:pPr eaLnBrk="1" latinLnBrk="0" hangingPunct="1"/>
             <a:fld id="{B88C3861-EF45-4815-A76E-294671FAB405}" type="datetime1">
               <a:rPr lang="en-US" smtClean="0"/>
-              <a:t>9/23/2025</a:t>
+              <a:t>9/26/2025</a:t>
             </a:fld>
             <a:endParaRPr lang="en-US"/>
           </a:p>
@@ -4729,7 +4800,7 @@
             <a:pPr eaLnBrk="1" latinLnBrk="0" hangingPunct="1"/>
             <a:fld id="{0F0B8080-ED7A-45A9-A704-76D750342F93}" type="datetime1">
               <a:rPr lang="en-US" smtClean="0"/>
-              <a:t>9/23/2025</a:t>
+              <a:t>9/26/2025</a:t>
             </a:fld>
             <a:endParaRPr lang="en-US"/>
           </a:p>
@@ -5007,7 +5078,7 @@
             <a:pPr eaLnBrk="1" latinLnBrk="0" hangingPunct="1"/>
             <a:fld id="{D1503A19-0780-4B28-9CCB-B5B1820188BD}" type="datetime1">
               <a:rPr lang="en-US" smtClean="0"/>
-              <a:t>9/23/2025</a:t>
+              <a:t>9/26/2025</a:t>
             </a:fld>
             <a:endParaRPr lang="en-US"/>
           </a:p>
@@ -5415,7 +5486,7 @@
             <a:pPr eaLnBrk="1" latinLnBrk="0" hangingPunct="1"/>
             <a:fld id="{2142A9E5-AE71-46A9-A65E-9BA279401128}" type="datetime1">
               <a:rPr lang="en-US" smtClean="0"/>
-              <a:t>9/23/2025</a:t>
+              <a:t>9/26/2025</a:t>
             </a:fld>
             <a:endParaRPr lang="en-US"/>
           </a:p>
@@ -5753,7 +5824,7 @@
             <a:pPr eaLnBrk="1" latinLnBrk="0" hangingPunct="1"/>
             <a:fld id="{4087DD3F-948A-46ED-B3EC-5D68A963D0B7}" type="datetime1">
               <a:rPr lang="en-US" smtClean="0"/>
-              <a:t>9/23/2025</a:t>
+              <a:t>9/26/2025</a:t>
             </a:fld>
             <a:endParaRPr lang="en-US" sz="1400" dirty="0">
               <a:solidFill>
@@ -49037,8 +49108,8 @@
         </p:nvSpPr>
         <p:spPr>
           <a:xfrm>
-            <a:off x="1298041" y="2944217"/>
-            <a:ext cx="1269899" cy="369332"/>
+            <a:off x="1173764" y="2882246"/>
+            <a:ext cx="1569660" cy="646331"/>
           </a:xfrm>
           <a:prstGeom prst="rect">
             <a:avLst/>
@@ -49051,6 +49122,7 @@
           </a:bodyPr>
           <a:lstStyle/>
           <a:p>
+            <a:pPr algn="ctr"/>
             <a:r>
               <a:rPr lang="en-US" dirty="0"/>
               <a:t>Register </a:t>
@@ -49065,118 +49137,23 @@
               <a:t>R0</a:t>
             </a:r>
           </a:p>
-        </p:txBody>
-      </p:sp>
-      <p:sp>
-        <p:nvSpPr>
-          <p:cNvPr id="12" name="TextBox 11"/>
-          <p:cNvSpPr txBox="1"/>
-          <p:nvPr/>
-        </p:nvSpPr>
-        <p:spPr>
-          <a:xfrm>
-            <a:off x="3060750" y="2971800"/>
-            <a:ext cx="1268296" cy="369332"/>
-          </a:xfrm>
-          <a:prstGeom prst="rect">
-            <a:avLst/>
-          </a:prstGeom>
-          <a:noFill/>
-        </p:spPr>
-        <p:txBody>
-          <a:bodyPr wrap="none" rtlCol="0">
-            <a:spAutoFit/>
-          </a:bodyPr>
-          <a:lstStyle/>
-          <a:p>
+          <a:p>
+            <a:pPr algn="ctr"/>
             <a:r>
               <a:rPr lang="en-US" dirty="0"/>
-              <a:t>Register </a:t>
-            </a:r>
-            <a:r>
-              <a:rPr lang="en-US" b="1" dirty="0">
+              <a:t>(also called </a:t>
+            </a:r>
+            <a:r>
+              <a:rPr lang="en-US" dirty="0">
                 <a:solidFill>
                   <a:srgbClr val="FF0000"/>
                 </a:solidFill>
-                <a:latin typeface="Consolas" panose="020B0609020204030204" pitchFamily="49" charset="0"/>
-              </a:rPr>
-              <a:t>R1</a:t>
-            </a:r>
-          </a:p>
-        </p:txBody>
-      </p:sp>
-      <p:sp>
-        <p:nvSpPr>
-          <p:cNvPr id="13" name="TextBox 12"/>
-          <p:cNvSpPr txBox="1"/>
-          <p:nvPr/>
-        </p:nvSpPr>
-        <p:spPr>
-          <a:xfrm>
-            <a:off x="4814152" y="2971800"/>
-            <a:ext cx="1268296" cy="369332"/>
-          </a:xfrm>
-          <a:prstGeom prst="rect">
-            <a:avLst/>
-          </a:prstGeom>
-          <a:noFill/>
-        </p:spPr>
-        <p:txBody>
-          <a:bodyPr wrap="none" rtlCol="0">
-            <a:spAutoFit/>
-          </a:bodyPr>
-          <a:lstStyle/>
-          <a:p>
+              </a:rPr>
+              <a:t>a1</a:t>
+            </a:r>
             <a:r>
               <a:rPr lang="en-US" dirty="0"/>
-              <a:t>Register </a:t>
-            </a:r>
-            <a:r>
-              <a:rPr lang="en-US" b="1" dirty="0">
-                <a:solidFill>
-                  <a:srgbClr val="FF0000"/>
-                </a:solidFill>
-                <a:latin typeface="Consolas" panose="020B0609020204030204" pitchFamily="49" charset="0"/>
-              </a:rPr>
-              <a:t>R2</a:t>
-            </a:r>
-          </a:p>
-        </p:txBody>
-      </p:sp>
-      <p:sp>
-        <p:nvSpPr>
-          <p:cNvPr id="14" name="TextBox 13"/>
-          <p:cNvSpPr txBox="1"/>
-          <p:nvPr/>
-        </p:nvSpPr>
-        <p:spPr>
-          <a:xfrm>
-            <a:off x="6527850" y="2971800"/>
-            <a:ext cx="1269899" cy="369332"/>
-          </a:xfrm>
-          <a:prstGeom prst="rect">
-            <a:avLst/>
-          </a:prstGeom>
-          <a:noFill/>
-        </p:spPr>
-        <p:txBody>
-          <a:bodyPr wrap="none" rtlCol="0">
-            <a:spAutoFit/>
-          </a:bodyPr>
-          <a:lstStyle/>
-          <a:p>
-            <a:r>
-              <a:rPr lang="en-US" dirty="0"/>
-              <a:t>Register </a:t>
-            </a:r>
-            <a:r>
-              <a:rPr lang="en-US" b="1" dirty="0">
-                <a:solidFill>
-                  <a:srgbClr val="FF0000"/>
-                </a:solidFill>
-                <a:latin typeface="Consolas" panose="020B0609020204030204" pitchFamily="49" charset="0"/>
-              </a:rPr>
-              <a:t>R3</a:t>
+              <a:t>)</a:t>
             </a:r>
           </a:p>
         </p:txBody>
@@ -49184,13 +49161,15 @@
       <p:cxnSp>
         <p:nvCxnSpPr>
           <p:cNvPr id="16" name="Straight Arrow Connector 15"/>
-          <p:cNvCxnSpPr/>
+          <p:cNvCxnSpPr>
+            <a:cxnSpLocks/>
+          </p:cNvCxnSpPr>
           <p:nvPr/>
         </p:nvCxnSpPr>
         <p:spPr>
           <a:xfrm>
-            <a:off x="1940328" y="3285966"/>
-            <a:ext cx="1038809" cy="648851"/>
+            <a:off x="2338208" y="3528577"/>
+            <a:ext cx="640929" cy="406240"/>
           </a:xfrm>
           <a:prstGeom prst="straightConnector1">
             <a:avLst/>
@@ -49217,13 +49196,15 @@
       <p:cxnSp>
         <p:nvCxnSpPr>
           <p:cNvPr id="18" name="Straight Arrow Connector 17"/>
-          <p:cNvCxnSpPr/>
+          <p:cNvCxnSpPr>
+            <a:cxnSpLocks/>
+          </p:cNvCxnSpPr>
           <p:nvPr/>
         </p:nvCxnSpPr>
         <p:spPr>
           <a:xfrm flipH="1">
-            <a:off x="6261151" y="3296225"/>
-            <a:ext cx="1038809" cy="648851"/>
+            <a:off x="6196433" y="3493532"/>
+            <a:ext cx="947699" cy="545068"/>
           </a:xfrm>
           <a:prstGeom prst="straightConnector1">
             <a:avLst/>
@@ -49250,12 +49231,14 @@
       <p:cxnSp>
         <p:nvCxnSpPr>
           <p:cNvPr id="22" name="Straight Arrow Connector 21"/>
-          <p:cNvCxnSpPr/>
+          <p:cNvCxnSpPr>
+            <a:cxnSpLocks/>
+          </p:cNvCxnSpPr>
           <p:nvPr/>
         </p:nvCxnSpPr>
         <p:spPr>
           <a:xfrm>
-            <a:off x="3705159" y="3341132"/>
+            <a:off x="3705159" y="3493532"/>
             <a:ext cx="392313" cy="545068"/>
           </a:xfrm>
           <a:prstGeom prst="straightConnector1">
@@ -49283,12 +49266,14 @@
       <p:cxnSp>
         <p:nvCxnSpPr>
           <p:cNvPr id="24" name="Straight Arrow Connector 23"/>
-          <p:cNvCxnSpPr/>
+          <p:cNvCxnSpPr>
+            <a:cxnSpLocks/>
+          </p:cNvCxnSpPr>
           <p:nvPr/>
         </p:nvCxnSpPr>
         <p:spPr>
           <a:xfrm flipH="1">
-            <a:off x="5055068" y="3327042"/>
+            <a:off x="5055068" y="3493532"/>
             <a:ext cx="392313" cy="545068"/>
           </a:xfrm>
           <a:prstGeom prst="straightConnector1">
@@ -49423,6 +49408,198 @@
                 <a:latin typeface="Consolas" panose="020B0609020204030204" pitchFamily="49" charset="0"/>
               </a:rPr>
               <a:t>R0</a:t>
+            </a:r>
+          </a:p>
+        </p:txBody>
+      </p:sp>
+      <p:sp>
+        <p:nvSpPr>
+          <p:cNvPr id="15" name="TextBox 14">
+            <a:extLst>
+              <a:ext uri="{FF2B5EF4-FFF2-40B4-BE49-F238E27FC236}">
+                <a16:creationId xmlns:a16="http://schemas.microsoft.com/office/drawing/2014/main" id="{459E5411-1FBA-ADE6-1B5B-A4E6A831EA6B}"/>
+              </a:ext>
+            </a:extLst>
+          </p:cNvPr>
+          <p:cNvSpPr txBox="1"/>
+          <p:nvPr/>
+        </p:nvSpPr>
+        <p:spPr>
+          <a:xfrm>
+            <a:off x="2926139" y="2882246"/>
+            <a:ext cx="1569660" cy="646331"/>
+          </a:xfrm>
+          <a:prstGeom prst="rect">
+            <a:avLst/>
+          </a:prstGeom>
+          <a:noFill/>
+        </p:spPr>
+        <p:txBody>
+          <a:bodyPr wrap="none" rtlCol="0">
+            <a:spAutoFit/>
+          </a:bodyPr>
+          <a:lstStyle/>
+          <a:p>
+            <a:pPr algn="ctr"/>
+            <a:r>
+              <a:rPr lang="en-US" dirty="0"/>
+              <a:t>Register </a:t>
+            </a:r>
+            <a:r>
+              <a:rPr lang="en-US" b="1" dirty="0">
+                <a:solidFill>
+                  <a:srgbClr val="FF0000"/>
+                </a:solidFill>
+                <a:latin typeface="Consolas" panose="020B0609020204030204" pitchFamily="49" charset="0"/>
+              </a:rPr>
+              <a:t>R1</a:t>
+            </a:r>
+          </a:p>
+          <a:p>
+            <a:pPr algn="ctr"/>
+            <a:r>
+              <a:rPr lang="en-US" dirty="0"/>
+              <a:t>(also called </a:t>
+            </a:r>
+            <a:r>
+              <a:rPr lang="en-US" dirty="0">
+                <a:solidFill>
+                  <a:srgbClr val="FF0000"/>
+                </a:solidFill>
+              </a:rPr>
+              <a:t>a2</a:t>
+            </a:r>
+            <a:r>
+              <a:rPr lang="en-US" dirty="0"/>
+              <a:t>)</a:t>
+            </a:r>
+          </a:p>
+        </p:txBody>
+      </p:sp>
+      <p:sp>
+        <p:nvSpPr>
+          <p:cNvPr id="17" name="TextBox 16">
+            <a:extLst>
+              <a:ext uri="{FF2B5EF4-FFF2-40B4-BE49-F238E27FC236}">
+                <a16:creationId xmlns:a16="http://schemas.microsoft.com/office/drawing/2014/main" id="{2550AA1D-340A-11B9-1ADF-AEE5880A9EF4}"/>
+              </a:ext>
+            </a:extLst>
+          </p:cNvPr>
+          <p:cNvSpPr txBox="1"/>
+          <p:nvPr/>
+        </p:nvSpPr>
+        <p:spPr>
+          <a:xfrm>
+            <a:off x="4626773" y="2882246"/>
+            <a:ext cx="1569660" cy="646331"/>
+          </a:xfrm>
+          <a:prstGeom prst="rect">
+            <a:avLst/>
+          </a:prstGeom>
+          <a:noFill/>
+        </p:spPr>
+        <p:txBody>
+          <a:bodyPr wrap="none" rtlCol="0">
+            <a:spAutoFit/>
+          </a:bodyPr>
+          <a:lstStyle/>
+          <a:p>
+            <a:pPr algn="ctr"/>
+            <a:r>
+              <a:rPr lang="en-US" dirty="0"/>
+              <a:t>Register </a:t>
+            </a:r>
+            <a:r>
+              <a:rPr lang="en-US" b="1" dirty="0">
+                <a:solidFill>
+                  <a:srgbClr val="FF0000"/>
+                </a:solidFill>
+                <a:latin typeface="Consolas" panose="020B0609020204030204" pitchFamily="49" charset="0"/>
+              </a:rPr>
+              <a:t>R2</a:t>
+            </a:r>
+          </a:p>
+          <a:p>
+            <a:pPr algn="ctr"/>
+            <a:r>
+              <a:rPr lang="en-US" dirty="0"/>
+              <a:t>(also called </a:t>
+            </a:r>
+            <a:r>
+              <a:rPr lang="en-US" dirty="0">
+                <a:solidFill>
+                  <a:srgbClr val="FF0000"/>
+                </a:solidFill>
+              </a:rPr>
+              <a:t>a3</a:t>
+            </a:r>
+            <a:r>
+              <a:rPr lang="en-US" dirty="0"/>
+              <a:t>)</a:t>
+            </a:r>
+          </a:p>
+        </p:txBody>
+      </p:sp>
+      <p:sp>
+        <p:nvSpPr>
+          <p:cNvPr id="19" name="TextBox 18">
+            <a:extLst>
+              <a:ext uri="{FF2B5EF4-FFF2-40B4-BE49-F238E27FC236}">
+                <a16:creationId xmlns:a16="http://schemas.microsoft.com/office/drawing/2014/main" id="{C4C53C50-D594-59F6-E575-72F140A394FF}"/>
+              </a:ext>
+            </a:extLst>
+          </p:cNvPr>
+          <p:cNvSpPr txBox="1"/>
+          <p:nvPr/>
+        </p:nvSpPr>
+        <p:spPr>
+          <a:xfrm>
+            <a:off x="6400801" y="2882246"/>
+            <a:ext cx="1569660" cy="646331"/>
+          </a:xfrm>
+          <a:prstGeom prst="rect">
+            <a:avLst/>
+          </a:prstGeom>
+          <a:noFill/>
+        </p:spPr>
+        <p:txBody>
+          <a:bodyPr wrap="none" rtlCol="0">
+            <a:spAutoFit/>
+          </a:bodyPr>
+          <a:lstStyle/>
+          <a:p>
+            <a:pPr algn="ctr"/>
+            <a:r>
+              <a:rPr lang="en-US" dirty="0"/>
+              <a:t>Register </a:t>
+            </a:r>
+            <a:r>
+              <a:rPr lang="en-US" b="1" dirty="0">
+                <a:solidFill>
+                  <a:srgbClr val="FF0000"/>
+                </a:solidFill>
+                <a:latin typeface="Consolas" panose="020B0609020204030204" pitchFamily="49" charset="0"/>
+              </a:rPr>
+              <a:t>R3</a:t>
+            </a:r>
+          </a:p>
+          <a:p>
+            <a:pPr algn="ctr"/>
+            <a:r>
+              <a:rPr lang="en-US" dirty="0"/>
+              <a:t>(also called </a:t>
+            </a:r>
+            <a:r>
+              <a:rPr lang="en-US" dirty="0">
+                <a:solidFill>
+                  <a:srgbClr val="FF0000"/>
+                </a:solidFill>
+              </a:rPr>
+              <a:t>a4</a:t>
+            </a:r>
+            <a:r>
+              <a:rPr lang="en-US" dirty="0"/>
+              <a:t>)</a:t>
             </a:r>
           </a:p>
         </p:txBody>
